--- a/LanguageLearningApp.pptx
+++ b/LanguageLearningApp.pptx
@@ -9,8 +9,8 @@
     <p:sldId id="257" r:id="rId3"/>
     <p:sldId id="258" r:id="rId4"/>
     <p:sldId id="259" r:id="rId5"/>
-    <p:sldId id="260" r:id="rId6"/>
-    <p:sldId id="262" r:id="rId7"/>
+    <p:sldId id="262" r:id="rId6"/>
+    <p:sldId id="260" r:id="rId7"/>
     <p:sldId id="261" r:id="rId8"/>
   </p:sldIdLst>
   <p:sldSz cx="12192000" cy="6858000"/>
@@ -110,6 +110,11 @@
       </a:defRPr>
     </a:lvl9pPr>
   </p:defaultTextStyle>
+  <p:extLst>
+    <p:ext uri="{EFAFB233-063F-42B5-8137-9DF3F51BA10A}">
+      <p15:sldGuideLst xmlns:p15="http://schemas.microsoft.com/office/powerpoint/2012/main"/>
+    </p:ext>
+  </p:extLst>
 </p:presentation>
 </file>
 
@@ -3365,7 +3370,7 @@
           <a:effectLst/>
           <a:extLst>
             <a:ext uri="{91240B29-F687-4f45-9708-019B960494DF}">
-              <a14:hiddenLine xmlns:a14="http://schemas.microsoft.com/office/drawing/2010/main" xmlns="" w="9525">
+              <a14:hiddenLine xmlns="" xmlns:a14="http://schemas.microsoft.com/office/drawing/2010/main" w="9525">
                 <a:solidFill>
                   <a:srgbClr val="000000"/>
                 </a:solidFill>
@@ -3558,7 +3563,7 @@
             <a:fld id="{08B9EBBA-996F-894A-B54A-D6246ED52CEA}" type="datetimeFigureOut">
               <a:rPr lang="en-US" dirty="0"/>
               <a:pPr/>
-              <a:t>3/27/19</a:t>
+              <a:t>3/28/19</a:t>
             </a:fld>
             <a:endParaRPr lang="en-US" dirty="0"/>
           </a:p>
@@ -3873,7 +3878,7 @@
             <a:fld id="{18C79C5D-2A6F-F04D-97DA-BEF2467B64E4}" type="datetimeFigureOut">
               <a:rPr lang="en-US" dirty="0"/>
               <a:pPr/>
-              <a:t>3/27/19</a:t>
+              <a:t>3/28/19</a:t>
             </a:fld>
             <a:endParaRPr lang="en-US" dirty="0"/>
           </a:p>
@@ -4358,7 +4363,7 @@
             <a:fld id="{8DFA1846-DA80-1C48-A609-854EA85C59AD}" type="datetimeFigureOut">
               <a:rPr lang="en-US" dirty="0"/>
               <a:pPr/>
-              <a:t>3/27/19</a:t>
+              <a:t>3/28/19</a:t>
             </a:fld>
             <a:endParaRPr lang="en-US" dirty="0"/>
           </a:p>
@@ -4724,7 +4729,7 @@
             <a:fld id="{FBF54567-0DE4-3F47-BF90-CB84690072F9}" type="datetimeFigureOut">
               <a:rPr lang="en-US" dirty="0"/>
               <a:pPr/>
-              <a:t>3/27/19</a:t>
+              <a:t>3/28/19</a:t>
             </a:fld>
             <a:endParaRPr lang="en-US" dirty="0"/>
           </a:p>
@@ -4875,7 +4880,7 @@
           <a:ln/>
           <a:extLst>
             <a:ext uri="{91240B29-F687-4f45-9708-019B960494DF}">
-              <a14:hiddenLine xmlns:a14="http://schemas.microsoft.com/office/drawing/2010/main" xmlns="" w="9525">
+              <a14:hiddenLine xmlns="" xmlns:a14="http://schemas.microsoft.com/office/drawing/2010/main" w="9525">
                 <a:solidFill>
                   <a:srgbClr val="000000"/>
                 </a:solidFill>
@@ -4994,7 +4999,7 @@
             <a:fld id="{C6C52C72-DE31-F449-A4ED-4C594FD91407}" type="datetimeFigureOut">
               <a:rPr lang="en-US" dirty="0"/>
               <a:pPr/>
-              <a:t>3/27/19</a:t>
+              <a:t>3/28/19</a:t>
             </a:fld>
             <a:endParaRPr lang="en-US" dirty="0"/>
           </a:p>
@@ -5147,7 +5152,7 @@
           <a:ln/>
           <a:extLst>
             <a:ext uri="{91240B29-F687-4f45-9708-019B960494DF}">
-              <a14:hiddenLine xmlns:a14="http://schemas.microsoft.com/office/drawing/2010/main" xmlns="" w="9525">
+              <a14:hiddenLine xmlns="" xmlns:a14="http://schemas.microsoft.com/office/drawing/2010/main" w="9525">
                 <a:solidFill>
                   <a:srgbClr val="000000"/>
                 </a:solidFill>
@@ -5276,7 +5281,7 @@
             <a:fld id="{ED62726E-379B-B349-9EED-81ED093FA806}" type="datetimeFigureOut">
               <a:rPr lang="en-US" dirty="0"/>
               <a:pPr/>
-              <a:t>3/27/19</a:t>
+              <a:t>3/28/19</a:t>
             </a:fld>
             <a:endParaRPr lang="en-US" dirty="0"/>
           </a:p>
@@ -5427,7 +5432,7 @@
           <a:ln/>
           <a:extLst>
             <a:ext uri="{91240B29-F687-4f45-9708-019B960494DF}">
-              <a14:hiddenLine xmlns:a14="http://schemas.microsoft.com/office/drawing/2010/main" xmlns="" w="9525">
+              <a14:hiddenLine xmlns="" xmlns:a14="http://schemas.microsoft.com/office/drawing/2010/main" w="9525">
                 <a:solidFill>
                   <a:srgbClr val="000000"/>
                 </a:solidFill>
@@ -5556,7 +5561,7 @@
             <a:fld id="{9B3A1323-8D79-1946-B0D7-40001CF92E9D}" type="datetimeFigureOut">
               <a:rPr lang="en-US" dirty="0"/>
               <a:pPr/>
-              <a:t>3/27/19</a:t>
+              <a:t>3/28/19</a:t>
             </a:fld>
             <a:endParaRPr lang="en-US" dirty="0"/>
           </a:p>
@@ -5896,7 +5901,7 @@
             <a:fld id="{8DFA1846-DA80-1C48-A609-854EA85C59AD}" type="datetimeFigureOut">
               <a:rPr lang="en-US" dirty="0"/>
               <a:pPr/>
-              <a:t>3/27/19</a:t>
+              <a:t>3/28/19</a:t>
             </a:fld>
             <a:endParaRPr lang="en-US" dirty="0"/>
           </a:p>
@@ -6047,7 +6052,7 @@
           <a:ln/>
           <a:extLst>
             <a:ext uri="{91240B29-F687-4f45-9708-019B960494DF}">
-              <a14:hiddenLine xmlns:a14="http://schemas.microsoft.com/office/drawing/2010/main" xmlns="" w="9525">
+              <a14:hiddenLine xmlns="" xmlns:a14="http://schemas.microsoft.com/office/drawing/2010/main" w="9525">
                 <a:solidFill>
                   <a:srgbClr val="000000"/>
                 </a:solidFill>
@@ -6232,7 +6237,7 @@
             <a:fld id="{57302355-E14B-8545-A8F8-0FE83CC9D524}" type="datetimeFigureOut">
               <a:rPr lang="en-US" dirty="0"/>
               <a:pPr/>
-              <a:t>3/27/19</a:t>
+              <a:t>3/28/19</a:t>
             </a:fld>
             <a:endParaRPr lang="en-US" dirty="0"/>
           </a:p>
@@ -6383,7 +6388,7 @@
           <a:ln/>
           <a:extLst>
             <a:ext uri="{91240B29-F687-4f45-9708-019B960494DF}">
-              <a14:hiddenLine xmlns:a14="http://schemas.microsoft.com/office/drawing/2010/main" xmlns="" w="9525">
+              <a14:hiddenLine xmlns="" xmlns:a14="http://schemas.microsoft.com/office/drawing/2010/main" w="9525">
                 <a:solidFill>
                   <a:srgbClr val="000000"/>
                 </a:solidFill>
@@ -6706,7 +6711,7 @@
             <a:fld id="{02640F58-564D-2B4F-AE67-E407BA4FCF45}" type="datetimeFigureOut">
               <a:rPr lang="en-US" dirty="0"/>
               <a:pPr/>
-              <a:t>3/27/19</a:t>
+              <a:t>3/28/19</a:t>
             </a:fld>
             <a:endParaRPr lang="en-US" dirty="0"/>
           </a:p>
@@ -6857,7 +6862,7 @@
           <a:ln/>
           <a:extLst>
             <a:ext uri="{91240B29-F687-4f45-9708-019B960494DF}">
-              <a14:hiddenLine xmlns:a14="http://schemas.microsoft.com/office/drawing/2010/main" xmlns="" w="9525">
+              <a14:hiddenLine xmlns="" xmlns:a14="http://schemas.microsoft.com/office/drawing/2010/main" w="9525">
                 <a:solidFill>
                   <a:srgbClr val="000000"/>
                 </a:solidFill>
@@ -6924,7 +6929,7 @@
             <a:fld id="{F13A34C8-038E-2045-AF43-DF7DBB8E0E9E}" type="datetimeFigureOut">
               <a:rPr lang="en-US" dirty="0"/>
               <a:pPr/>
-              <a:t>3/27/19</a:t>
+              <a:t>3/28/19</a:t>
             </a:fld>
             <a:endParaRPr lang="en-US" dirty="0"/>
           </a:p>
@@ -7016,7 +7021,7 @@
             <a:fld id="{8818C68F-D26B-8F47-958C-23B49CF8A634}" type="datetimeFigureOut">
               <a:rPr lang="en-US" dirty="0"/>
               <a:pPr/>
-              <a:t>3/27/19</a:t>
+              <a:t>3/28/19</a:t>
             </a:fld>
             <a:endParaRPr lang="en-US" dirty="0"/>
           </a:p>
@@ -7280,7 +7285,7 @@
           <a:ln/>
           <a:extLst>
             <a:ext uri="{91240B29-F687-4f45-9708-019B960494DF}">
-              <a14:hiddenLine xmlns:a14="http://schemas.microsoft.com/office/drawing/2010/main" xmlns="" w="9525">
+              <a14:hiddenLine xmlns="" xmlns:a14="http://schemas.microsoft.com/office/drawing/2010/main" w="9525">
                 <a:solidFill>
                   <a:srgbClr val="000000"/>
                 </a:solidFill>
@@ -7480,7 +7485,7 @@
             <a:fld id="{D0DF5E60-9974-AC48-9591-99C2BB44B7CF}" type="datetimeFigureOut">
               <a:rPr lang="en-US" dirty="0"/>
               <a:pPr/>
-              <a:t>3/27/19</a:t>
+              <a:t>3/28/19</a:t>
             </a:fld>
             <a:endParaRPr lang="en-US" dirty="0"/>
           </a:p>
@@ -7790,7 +7795,7 @@
             <a:fld id="{18C79C5D-2A6F-F04D-97DA-BEF2467B64E4}" type="datetimeFigureOut">
               <a:rPr lang="en-US" dirty="0"/>
               <a:pPr/>
-              <a:t>3/27/19</a:t>
+              <a:t>3/28/19</a:t>
             </a:fld>
             <a:endParaRPr lang="en-US" dirty="0"/>
           </a:p>
@@ -8057,7 +8062,7 @@
             <a:fld id="{09B482E8-6E0E-1B4F-B1FD-C69DB9E858D9}" type="datetimeFigureOut">
               <a:rPr lang="en-US" dirty="0"/>
               <a:pPr/>
-              <a:t>3/27/19</a:t>
+              <a:t>3/28/19</a:t>
             </a:fld>
             <a:endParaRPr lang="en-US" dirty="0"/>
           </a:p>
@@ -8927,6 +8932,98 @@
           <p:cNvPr id="2" name="Title 1">
             <a:extLst>
               <a:ext uri="{FF2B5EF4-FFF2-40B4-BE49-F238E27FC236}">
+                <a16:creationId xmlns:a16="http://schemas.microsoft.com/office/drawing/2014/main" id="{6AC56067-0FB6-374A-AD95-491A62ED9647}"/>
+              </a:ext>
+            </a:extLst>
+          </p:cNvPr>
+          <p:cNvSpPr>
+            <a:spLocks noGrp="1"/>
+          </p:cNvSpPr>
+          <p:nvPr>
+            <p:ph type="title"/>
+          </p:nvPr>
+        </p:nvSpPr>
+        <p:spPr/>
+        <p:txBody>
+          <a:bodyPr/>
+          <a:lstStyle/>
+          <a:p>
+            <a:r>
+              <a:rPr lang="en-US" dirty="0"/>
+              <a:t>Deployment &amp; QR Code</a:t>
+            </a:r>
+          </a:p>
+        </p:txBody>
+      </p:sp>
+      <p:sp>
+        <p:nvSpPr>
+          <p:cNvPr id="3" name="Content Placeholder 2">
+            <a:extLst>
+              <a:ext uri="{FF2B5EF4-FFF2-40B4-BE49-F238E27FC236}">
+                <a16:creationId xmlns:a16="http://schemas.microsoft.com/office/drawing/2014/main" id="{333AD669-1B8F-5345-A48D-EB8F19ACC434}"/>
+              </a:ext>
+            </a:extLst>
+          </p:cNvPr>
+          <p:cNvSpPr>
+            <a:spLocks noGrp="1"/>
+          </p:cNvSpPr>
+          <p:nvPr>
+            <p:ph idx="1"/>
+          </p:nvPr>
+        </p:nvSpPr>
+        <p:spPr/>
+        <p:txBody>
+          <a:bodyPr/>
+          <a:lstStyle/>
+          <a:p>
+            <a:r>
+              <a:rPr lang="en-US" dirty="0"/>
+              <a:t>Heroku</a:t>
+            </a:r>
+          </a:p>
+          <a:p>
+            <a:r>
+              <a:rPr lang="en-US" dirty="0"/>
+              <a:t>QR (quick response) code</a:t>
+            </a:r>
+          </a:p>
+        </p:txBody>
+      </p:sp>
+    </p:spTree>
+    <p:extLst>
+      <p:ext uri="{BB962C8B-B14F-4D97-AF65-F5344CB8AC3E}">
+        <p14:creationId xmlns:p14="http://schemas.microsoft.com/office/powerpoint/2010/main" val="1258964355"/>
+      </p:ext>
+    </p:extLst>
+  </p:cSld>
+  <p:clrMapOvr>
+    <a:masterClrMapping/>
+  </p:clrMapOvr>
+</p:sld>
+</file>
+
+<file path=ppt/slides/slide6.xml><?xml version="1.0" encoding="utf-8"?>
+<p:sld xmlns:a="http://schemas.openxmlformats.org/drawingml/2006/main" xmlns:r="http://schemas.openxmlformats.org/officeDocument/2006/relationships" xmlns:p="http://schemas.openxmlformats.org/presentationml/2006/main">
+  <p:cSld>
+    <p:spTree>
+      <p:nvGrpSpPr>
+        <p:cNvPr id="1" name=""/>
+        <p:cNvGrpSpPr/>
+        <p:nvPr/>
+      </p:nvGrpSpPr>
+      <p:grpSpPr>
+        <a:xfrm>
+          <a:off x="0" y="0"/>
+          <a:ext cx="0" cy="0"/>
+          <a:chOff x="0" y="0"/>
+          <a:chExt cx="0" cy="0"/>
+        </a:xfrm>
+      </p:grpSpPr>
+      <p:sp>
+        <p:nvSpPr>
+          <p:cNvPr id="2" name="Title 1">
+            <a:extLst>
+              <a:ext uri="{FF2B5EF4-FFF2-40B4-BE49-F238E27FC236}">
                 <a16:creationId xmlns:a16="http://schemas.microsoft.com/office/drawing/2014/main" id="{671D5C18-B1FF-484B-B170-BA6A23BFAF60}"/>
               </a:ext>
             </a:extLst>
@@ -8985,98 +9082,6 @@
     <p:extLst>
       <p:ext uri="{BB962C8B-B14F-4D97-AF65-F5344CB8AC3E}">
         <p14:creationId xmlns:p14="http://schemas.microsoft.com/office/powerpoint/2010/main" val="860301477"/>
-      </p:ext>
-    </p:extLst>
-  </p:cSld>
-  <p:clrMapOvr>
-    <a:masterClrMapping/>
-  </p:clrMapOvr>
-</p:sld>
-</file>
-
-<file path=ppt/slides/slide6.xml><?xml version="1.0" encoding="utf-8"?>
-<p:sld xmlns:a="http://schemas.openxmlformats.org/drawingml/2006/main" xmlns:r="http://schemas.openxmlformats.org/officeDocument/2006/relationships" xmlns:p="http://schemas.openxmlformats.org/presentationml/2006/main">
-  <p:cSld>
-    <p:spTree>
-      <p:nvGrpSpPr>
-        <p:cNvPr id="1" name=""/>
-        <p:cNvGrpSpPr/>
-        <p:nvPr/>
-      </p:nvGrpSpPr>
-      <p:grpSpPr>
-        <a:xfrm>
-          <a:off x="0" y="0"/>
-          <a:ext cx="0" cy="0"/>
-          <a:chOff x="0" y="0"/>
-          <a:chExt cx="0" cy="0"/>
-        </a:xfrm>
-      </p:grpSpPr>
-      <p:sp>
-        <p:nvSpPr>
-          <p:cNvPr id="2" name="Title 1">
-            <a:extLst>
-              <a:ext uri="{FF2B5EF4-FFF2-40B4-BE49-F238E27FC236}">
-                <a16:creationId xmlns:a16="http://schemas.microsoft.com/office/drawing/2014/main" id="{6AC56067-0FB6-374A-AD95-491A62ED9647}"/>
-              </a:ext>
-            </a:extLst>
-          </p:cNvPr>
-          <p:cNvSpPr>
-            <a:spLocks noGrp="1"/>
-          </p:cNvSpPr>
-          <p:nvPr>
-            <p:ph type="title"/>
-          </p:nvPr>
-        </p:nvSpPr>
-        <p:spPr/>
-        <p:txBody>
-          <a:bodyPr/>
-          <a:lstStyle/>
-          <a:p>
-            <a:r>
-              <a:rPr lang="en-US" dirty="0"/>
-              <a:t>Deployment &amp; QR Code</a:t>
-            </a:r>
-          </a:p>
-        </p:txBody>
-      </p:sp>
-      <p:sp>
-        <p:nvSpPr>
-          <p:cNvPr id="3" name="Content Placeholder 2">
-            <a:extLst>
-              <a:ext uri="{FF2B5EF4-FFF2-40B4-BE49-F238E27FC236}">
-                <a16:creationId xmlns:a16="http://schemas.microsoft.com/office/drawing/2014/main" id="{333AD669-1B8F-5345-A48D-EB8F19ACC434}"/>
-              </a:ext>
-            </a:extLst>
-          </p:cNvPr>
-          <p:cNvSpPr>
-            <a:spLocks noGrp="1"/>
-          </p:cNvSpPr>
-          <p:nvPr>
-            <p:ph idx="1"/>
-          </p:nvPr>
-        </p:nvSpPr>
-        <p:spPr/>
-        <p:txBody>
-          <a:bodyPr/>
-          <a:lstStyle/>
-          <a:p>
-            <a:r>
-              <a:rPr lang="en-US" dirty="0"/>
-              <a:t>Heroku</a:t>
-            </a:r>
-          </a:p>
-          <a:p>
-            <a:r>
-              <a:rPr lang="en-US" dirty="0"/>
-              <a:t>QR (quick response) code</a:t>
-            </a:r>
-          </a:p>
-        </p:txBody>
-      </p:sp>
-    </p:spTree>
-    <p:extLst>
-      <p:ext uri="{BB962C8B-B14F-4D97-AF65-F5344CB8AC3E}">
-        <p14:creationId xmlns:p14="http://schemas.microsoft.com/office/powerpoint/2010/main" val="1258964355"/>
       </p:ext>
     </p:extLst>
   </p:cSld>
